--- a/role_chart.pptx
+++ b/role_chart.pptx
@@ -13138,7 +13138,7 @@
           <a:p>
             <a:fld id="{3D029B41-206E-4B83-940A-26E88651980A}" type="datetimeFigureOut">
               <a:rPr lang="en-US" smtClean="0"/>
-              <a:t>2/2/2016</a:t>
+              <a:t>2/16/2016</a:t>
             </a:fld>
             <a:endParaRPr lang="en-US"/>
           </a:p>
@@ -13308,7 +13308,7 @@
           <a:p>
             <a:fld id="{3D029B41-206E-4B83-940A-26E88651980A}" type="datetimeFigureOut">
               <a:rPr lang="en-US" smtClean="0"/>
-              <a:t>2/2/2016</a:t>
+              <a:t>2/16/2016</a:t>
             </a:fld>
             <a:endParaRPr lang="en-US"/>
           </a:p>
@@ -13488,7 +13488,7 @@
           <a:p>
             <a:fld id="{3D029B41-206E-4B83-940A-26E88651980A}" type="datetimeFigureOut">
               <a:rPr lang="en-US" smtClean="0"/>
-              <a:t>2/2/2016</a:t>
+              <a:t>2/16/2016</a:t>
             </a:fld>
             <a:endParaRPr lang="en-US"/>
           </a:p>
@@ -13658,7 +13658,7 @@
           <a:p>
             <a:fld id="{3D029B41-206E-4B83-940A-26E88651980A}" type="datetimeFigureOut">
               <a:rPr lang="en-US" smtClean="0"/>
-              <a:t>2/2/2016</a:t>
+              <a:t>2/16/2016</a:t>
             </a:fld>
             <a:endParaRPr lang="en-US"/>
           </a:p>
@@ -13904,7 +13904,7 @@
           <a:p>
             <a:fld id="{3D029B41-206E-4B83-940A-26E88651980A}" type="datetimeFigureOut">
               <a:rPr lang="en-US" smtClean="0"/>
-              <a:t>2/2/2016</a:t>
+              <a:t>2/16/2016</a:t>
             </a:fld>
             <a:endParaRPr lang="en-US"/>
           </a:p>
@@ -14136,7 +14136,7 @@
           <a:p>
             <a:fld id="{3D029B41-206E-4B83-940A-26E88651980A}" type="datetimeFigureOut">
               <a:rPr lang="en-US" smtClean="0"/>
-              <a:t>2/2/2016</a:t>
+              <a:t>2/16/2016</a:t>
             </a:fld>
             <a:endParaRPr lang="en-US"/>
           </a:p>
@@ -14503,7 +14503,7 @@
           <a:p>
             <a:fld id="{3D029B41-206E-4B83-940A-26E88651980A}" type="datetimeFigureOut">
               <a:rPr lang="en-US" smtClean="0"/>
-              <a:t>2/2/2016</a:t>
+              <a:t>2/16/2016</a:t>
             </a:fld>
             <a:endParaRPr lang="en-US"/>
           </a:p>
@@ -14621,7 +14621,7 @@
           <a:p>
             <a:fld id="{3D029B41-206E-4B83-940A-26E88651980A}" type="datetimeFigureOut">
               <a:rPr lang="en-US" smtClean="0"/>
-              <a:t>2/2/2016</a:t>
+              <a:t>2/16/2016</a:t>
             </a:fld>
             <a:endParaRPr lang="en-US"/>
           </a:p>
@@ -14716,7 +14716,7 @@
           <a:p>
             <a:fld id="{3D029B41-206E-4B83-940A-26E88651980A}" type="datetimeFigureOut">
               <a:rPr lang="en-US" smtClean="0"/>
-              <a:t>2/2/2016</a:t>
+              <a:t>2/16/2016</a:t>
             </a:fld>
             <a:endParaRPr lang="en-US"/>
           </a:p>
@@ -14993,7 +14993,7 @@
           <a:p>
             <a:fld id="{3D029B41-206E-4B83-940A-26E88651980A}" type="datetimeFigureOut">
               <a:rPr lang="en-US" smtClean="0"/>
-              <a:t>2/2/2016</a:t>
+              <a:t>2/16/2016</a:t>
             </a:fld>
             <a:endParaRPr lang="en-US"/>
           </a:p>
@@ -15246,7 +15246,7 @@
           <a:p>
             <a:fld id="{3D029B41-206E-4B83-940A-26E88651980A}" type="datetimeFigureOut">
               <a:rPr lang="en-US" smtClean="0"/>
-              <a:t>2/2/2016</a:t>
+              <a:t>2/16/2016</a:t>
             </a:fld>
             <a:endParaRPr lang="en-US"/>
           </a:p>
@@ -15459,7 +15459,7 @@
           <a:p>
             <a:fld id="{3D029B41-206E-4B83-940A-26E88651980A}" type="datetimeFigureOut">
               <a:rPr lang="en-US" smtClean="0"/>
-              <a:t>2/2/2016</a:t>
+              <a:t>2/16/2016</a:t>
             </a:fld>
             <a:endParaRPr lang="en-US"/>
           </a:p>
@@ -15904,7 +15904,6 @@
               <a:rPr lang="en-US" dirty="0" smtClean="0"/>
               <a:t>Sahara</a:t>
             </a:r>
-            <a:endParaRPr lang="en-US" dirty="0" smtClean="0"/>
           </a:p>
         </p:txBody>
       </p:sp>
@@ -16299,7 +16298,7 @@
         <p:spPr>
           <a:xfrm>
             <a:off x="7894096" y="1136084"/>
-            <a:ext cx="1093569" cy="369332"/>
+            <a:ext cx="1151084" cy="369332"/>
           </a:xfrm>
           <a:prstGeom prst="rect">
             <a:avLst/>
@@ -16314,7 +16313,7 @@
           <a:p>
             <a:r>
               <a:rPr lang="en-US" dirty="0" smtClean="0"/>
-              <a:t>Customer</a:t>
+              <a:t>Developer</a:t>
             </a:r>
             <a:endParaRPr lang="en-US" dirty="0"/>
           </a:p>
